--- a/Docs/ClientMeetings/2022_02_14_Meeting/2022_02_14_MeetingPresentation.pptx
+++ b/Docs/ClientMeetings/2022_02_14_Meeting/2022_02_14_MeetingPresentation.pptx
@@ -151,6 +151,9 @@
           </p14:sldIdLst>
         </p14:section>
       </p14:sectionLst>
+    </p:ext>
+    <p:ext uri="{EFAFB233-063F-42B5-8137-9DF3F51BA10A}">
+      <p15:sldGuideLst xmlns:p15="http://schemas.microsoft.com/office/powerpoint/2012/main"/>
     </p:ext>
   </p:extLst>
 </p:presentation>
@@ -1499,7 +1502,7 @@
           <a:p>
             <a:fld id="{1D9F529C-DE3F-4713-B935-A2AF89258D6C}" type="datetimeFigureOut">
               <a:rPr lang="en-US" smtClean="0"/>
-              <a:t>2/9/2022</a:t>
+              <a:t>2/14/2022</a:t>
             </a:fld>
             <a:endParaRPr lang="en-US"/>
           </a:p>
@@ -1746,7 +1749,7 @@
           <a:p>
             <a:fld id="{1D9F529C-DE3F-4713-B935-A2AF89258D6C}" type="datetimeFigureOut">
               <a:rPr lang="en-US" smtClean="0"/>
-              <a:t>2/9/2022</a:t>
+              <a:t>2/14/2022</a:t>
             </a:fld>
             <a:endParaRPr lang="en-US"/>
           </a:p>
@@ -2132,7 +2135,7 @@
           <a:p>
             <a:fld id="{1D9F529C-DE3F-4713-B935-A2AF89258D6C}" type="datetimeFigureOut">
               <a:rPr lang="en-US" smtClean="0"/>
-              <a:t>2/9/2022</a:t>
+              <a:t>2/14/2022</a:t>
             </a:fld>
             <a:endParaRPr lang="en-US"/>
           </a:p>
@@ -2361,7 +2364,7 @@
           <a:p>
             <a:fld id="{1D9F529C-DE3F-4713-B935-A2AF89258D6C}" type="datetimeFigureOut">
               <a:rPr lang="en-US" smtClean="0"/>
-              <a:t>2/9/2022</a:t>
+              <a:t>2/14/2022</a:t>
             </a:fld>
             <a:endParaRPr lang="en-US"/>
           </a:p>
@@ -2852,7 +2855,7 @@
           <a:p>
             <a:fld id="{1D9F529C-DE3F-4713-B935-A2AF89258D6C}" type="datetimeFigureOut">
               <a:rPr lang="en-US" smtClean="0"/>
-              <a:t>2/9/2022</a:t>
+              <a:t>2/14/2022</a:t>
             </a:fld>
             <a:endParaRPr lang="en-US"/>
           </a:p>
@@ -3162,7 +3165,7 @@
           <a:p>
             <a:fld id="{1D9F529C-DE3F-4713-B935-A2AF89258D6C}" type="datetimeFigureOut">
               <a:rPr lang="en-US" smtClean="0"/>
-              <a:t>2/9/2022</a:t>
+              <a:t>2/14/2022</a:t>
             </a:fld>
             <a:endParaRPr lang="en-US"/>
           </a:p>
@@ -3553,7 +3556,7 @@
           <a:p>
             <a:fld id="{1D9F529C-DE3F-4713-B935-A2AF89258D6C}" type="datetimeFigureOut">
               <a:rPr lang="en-US" smtClean="0"/>
-              <a:t>2/9/2022</a:t>
+              <a:t>2/14/2022</a:t>
             </a:fld>
             <a:endParaRPr lang="en-US"/>
           </a:p>
@@ -3671,7 +3674,7 @@
           <a:p>
             <a:fld id="{1D9F529C-DE3F-4713-B935-A2AF89258D6C}" type="datetimeFigureOut">
               <a:rPr lang="en-US" smtClean="0"/>
-              <a:t>2/9/2022</a:t>
+              <a:t>2/14/2022</a:t>
             </a:fld>
             <a:endParaRPr lang="en-US"/>
           </a:p>
@@ -3766,7 +3769,7 @@
           <a:p>
             <a:fld id="{1D9F529C-DE3F-4713-B935-A2AF89258D6C}" type="datetimeFigureOut">
               <a:rPr lang="en-US" smtClean="0"/>
-              <a:t>2/9/2022</a:t>
+              <a:t>2/14/2022</a:t>
             </a:fld>
             <a:endParaRPr lang="en-US"/>
           </a:p>
@@ -4066,7 +4069,7 @@
           <a:p>
             <a:fld id="{1D9F529C-DE3F-4713-B935-A2AF89258D6C}" type="datetimeFigureOut">
               <a:rPr lang="en-US" smtClean="0"/>
-              <a:t>2/9/2022</a:t>
+              <a:t>2/14/2022</a:t>
             </a:fld>
             <a:endParaRPr lang="en-US"/>
           </a:p>
@@ -4331,7 +4334,7 @@
           <a:p>
             <a:fld id="{1D9F529C-DE3F-4713-B935-A2AF89258D6C}" type="datetimeFigureOut">
               <a:rPr lang="en-US" smtClean="0"/>
-              <a:t>2/9/2022</a:t>
+              <a:t>2/14/2022</a:t>
             </a:fld>
             <a:endParaRPr lang="en-US"/>
           </a:p>
@@ -4749,7 +4752,7 @@
           <a:p>
             <a:fld id="{1D9F529C-DE3F-4713-B935-A2AF89258D6C}" type="datetimeFigureOut">
               <a:rPr lang="en-US" smtClean="0"/>
-              <a:t>2/9/2022</a:t>
+              <a:t>2/14/2022</a:t>
             </a:fld>
             <a:endParaRPr lang="en-US"/>
           </a:p>
@@ -8457,24 +8460,29 @@
             <p:ph type="title"/>
           </p:nvPr>
         </p:nvSpPr>
-        <p:spPr/>
+        <p:spPr>
+          <a:xfrm>
+            <a:off x="3884381" y="1209538"/>
+            <a:ext cx="5862934" cy="1921022"/>
+          </a:xfrm>
+        </p:spPr>
         <p:txBody>
           <a:bodyPr/>
           <a:lstStyle/>
           <a:p>
             <a:r>
-              <a:rPr lang="en-US" dirty="0" err="1"/>
+              <a:rPr lang="en-US" sz="4400" dirty="0" err="1"/>
               <a:t>Nefle</a:t>
             </a:r>
             <a:r>
-              <a:rPr lang="en-US" dirty="0"/>
+              <a:rPr lang="en-US" sz="4400" dirty="0"/>
               <a:t> Nesli </a:t>
             </a:r>
             <a:r>
-              <a:rPr lang="en-US" dirty="0" err="1"/>
+              <a:rPr lang="en-US" sz="4400" dirty="0" err="1"/>
               <a:t>Oruc</a:t>
             </a:r>
-            <a:endParaRPr lang="en-US" dirty="0"/>
+            <a:endParaRPr lang="en-US" sz="4400" dirty="0"/>
           </a:p>
         </p:txBody>
       </p:sp>
@@ -8494,49 +8502,20 @@
             <p:ph idx="1"/>
           </p:nvPr>
         </p:nvSpPr>
-        <p:spPr/>
+        <p:spPr>
+          <a:xfrm>
+            <a:off x="4841203" y="2085208"/>
+            <a:ext cx="5862934" cy="3027465"/>
+          </a:xfrm>
+        </p:spPr>
         <p:txBody>
-          <a:bodyPr/>
+          <a:bodyPr>
+            <a:normAutofit/>
+          </a:bodyPr>
           <a:lstStyle/>
           <a:p>
             <a:r>
-              <a:rPr lang="en-US" i="1" dirty="0">
-                <a:solidFill>
-                  <a:schemeClr val="tx1"/>
-                </a:solidFill>
-              </a:rPr>
-              <a:t>Profession</a:t>
-            </a:r>
-            <a:r>
-              <a:rPr lang="en-US" dirty="0">
-                <a:solidFill>
-                  <a:schemeClr val="tx1"/>
-                </a:solidFill>
-              </a:rPr>
-              <a:t>: </a:t>
-            </a:r>
-          </a:p>
-          <a:p>
-            <a:r>
-              <a:rPr lang="en-US" i="1" dirty="0">
-                <a:solidFill>
-                  <a:schemeClr val="tx1"/>
-                </a:solidFill>
-              </a:rPr>
-              <a:t>Academica</a:t>
-            </a:r>
-            <a:r>
-              <a:rPr lang="en-US" dirty="0">
-                <a:solidFill>
-                  <a:schemeClr val="tx1"/>
-                </a:solidFill>
-              </a:rPr>
-              <a:t>: </a:t>
-            </a:r>
-          </a:p>
-          <a:p>
-            <a:r>
-              <a:rPr lang="en-US" i="1" dirty="0">
+              <a:rPr lang="en-US" sz="2400" i="1" dirty="0">
                 <a:solidFill>
                   <a:schemeClr val="tx1"/>
                 </a:solidFill>
@@ -8544,17 +8523,17 @@
               <a:t>Pending</a:t>
             </a:r>
             <a:r>
-              <a:rPr lang="en-US" dirty="0">
+              <a:rPr lang="en-US" sz="2400" dirty="0">
                 <a:solidFill>
                   <a:schemeClr val="tx1"/>
                 </a:solidFill>
               </a:rPr>
-              <a:t>: Data Science, BS</a:t>
-            </a:r>
-          </a:p>
-          <a:p>
-            <a:r>
-              <a:rPr lang="en-US" i="1" dirty="0">
+              <a:t>: Data Science, BS Digital Media Studies, BA</a:t>
+            </a:r>
+          </a:p>
+          <a:p>
+            <a:r>
+              <a:rPr lang="en-US" sz="2400" i="1" dirty="0">
                 <a:solidFill>
                   <a:schemeClr val="tx1"/>
                 </a:solidFill>
@@ -8562,20 +8541,20 @@
               <a:t>Specialization(s)</a:t>
             </a:r>
             <a:r>
-              <a:rPr lang="en-US" dirty="0">
+              <a:rPr lang="en-US" sz="2400" dirty="0">
                 <a:solidFill>
                   <a:schemeClr val="tx1"/>
                 </a:solidFill>
               </a:rPr>
-              <a:t>:</a:t>
-            </a:r>
-            <a:endParaRPr lang="en-US" dirty="0"/>
+              <a:t>: Descriptive analyses, database management systems</a:t>
+            </a:r>
+            <a:endParaRPr lang="en-US" sz="2400" dirty="0"/>
           </a:p>
           <a:p>
             <a:pPr marL="0" indent="0">
               <a:buNone/>
             </a:pPr>
-            <a:endParaRPr lang="en-US" dirty="0"/>
+            <a:endParaRPr lang="en-US" sz="2400" dirty="0"/>
           </a:p>
         </p:txBody>
       </p:sp>
@@ -8600,10 +8579,46 @@
           <a:bodyPr/>
           <a:lstStyle/>
           <a:p>
-            <a:endParaRPr lang="en-US"/>
+            <a:endParaRPr lang="en-US" dirty="0"/>
           </a:p>
         </p:txBody>
       </p:sp>
+      <p:pic>
+        <p:nvPicPr>
+          <p:cNvPr id="6" name="Picture 5" descr="A person wearing glasses&#10;&#10;Description automatically generated with low confidence">
+            <a:extLst>
+              <a:ext uri="{FF2B5EF4-FFF2-40B4-BE49-F238E27FC236}">
+                <a16:creationId xmlns:a16="http://schemas.microsoft.com/office/drawing/2014/main" id="{9D902228-EC80-418F-B736-1BC9661E2954}"/>
+              </a:ext>
+            </a:extLst>
+          </p:cNvPr>
+          <p:cNvPicPr>
+            <a:picLocks noChangeAspect="1"/>
+          </p:cNvPicPr>
+          <p:nvPr/>
+        </p:nvPicPr>
+        <p:blipFill>
+          <a:blip r:embed="rId2">
+            <a:extLst>
+              <a:ext uri="{28A0092B-C50C-407E-A947-70E740481C1C}">
+                <a14:useLocalDpi xmlns:a14="http://schemas.microsoft.com/office/drawing/2010/main" val="0"/>
+              </a:ext>
+            </a:extLst>
+          </a:blip>
+          <a:stretch>
+            <a:fillRect/>
+          </a:stretch>
+        </p:blipFill>
+        <p:spPr>
+          <a:xfrm>
+            <a:off x="242145" y="-188350"/>
+            <a:ext cx="4705893" cy="7058839"/>
+          </a:xfrm>
+          <a:prstGeom prst="rect">
+            <a:avLst/>
+          </a:prstGeom>
+        </p:spPr>
+      </p:pic>
     </p:spTree>
     <p:extLst>
       <p:ext uri="{BB962C8B-B14F-4D97-AF65-F5344CB8AC3E}">

--- a/Docs/ClientMeetings/2022_02_14_Meeting/2022_02_14_MeetingPresentation.pptx
+++ b/Docs/ClientMeetings/2022_02_14_Meeting/2022_02_14_MeetingPresentation.pptx
@@ -8712,7 +8712,7 @@
                   <a:schemeClr val="tx1"/>
                 </a:solidFill>
               </a:rPr>
-              <a:t>: </a:t>
+              <a:t>: Decision Support Analyst &amp; Product Owner</a:t>
             </a:r>
           </a:p>
           <a:p>
@@ -8730,7 +8730,7 @@
                   <a:schemeClr val="tx1"/>
                 </a:solidFill>
               </a:rPr>
-              <a:t>: </a:t>
+              <a:t>: Applied Mathematics and Statistics BA</a:t>
             </a:r>
           </a:p>
           <a:p>
@@ -8766,7 +8766,15 @@
                   <a:schemeClr val="tx1"/>
                 </a:solidFill>
               </a:rPr>
-              <a:t>:</a:t>
+              <a:t>: Medical data analytics, hospital financial data analytics, and </a:t>
+            </a:r>
+            <a:r>
+              <a:rPr lang="en-US">
+                <a:solidFill>
+                  <a:schemeClr val="tx1"/>
+                </a:solidFill>
+              </a:rPr>
+              <a:t>Tableau dashboards</a:t>
             </a:r>
             <a:endParaRPr lang="en-US" dirty="0"/>
           </a:p>
@@ -8778,31 +8786,42 @@
           </a:p>
         </p:txBody>
       </p:sp>
-      <p:sp>
-        <p:nvSpPr>
-          <p:cNvPr id="4" name="Text Placeholder 3">
+      <p:pic>
+        <p:nvPicPr>
+          <p:cNvPr id="6" name="Picture 5">
             <a:extLst>
               <a:ext uri="{FF2B5EF4-FFF2-40B4-BE49-F238E27FC236}">
-                <a16:creationId xmlns:a16="http://schemas.microsoft.com/office/drawing/2014/main" id="{48AEA18D-DE61-4006-8A36-EA28895F56C6}"/>
+                <a16:creationId xmlns:a16="http://schemas.microsoft.com/office/drawing/2014/main" id="{D16BDD0C-2852-4281-A81E-4A6570A55EFA}"/>
               </a:ext>
             </a:extLst>
           </p:cNvPr>
-          <p:cNvSpPr>
-            <a:spLocks noGrp="1"/>
-          </p:cNvSpPr>
-          <p:nvPr>
-            <p:ph type="body" sz="half" idx="2"/>
-          </p:nvPr>
-        </p:nvSpPr>
-        <p:spPr/>
-        <p:txBody>
-          <a:bodyPr/>
-          <a:lstStyle/>
-          <a:p>
-            <a:endParaRPr lang="en-US"/>
-          </a:p>
-        </p:txBody>
-      </p:sp>
+          <p:cNvPicPr>
+            <a:picLocks noChangeAspect="1"/>
+          </p:cNvPicPr>
+          <p:nvPr/>
+        </p:nvPicPr>
+        <p:blipFill>
+          <a:blip r:embed="rId2">
+            <a:extLst>
+              <a:ext uri="{28A0092B-C50C-407E-A947-70E740481C1C}">
+                <a14:useLocalDpi xmlns:a14="http://schemas.microsoft.com/office/drawing/2010/main" val="0"/>
+              </a:ext>
+            </a:extLst>
+          </a:blip>
+          <a:stretch>
+            <a:fillRect/>
+          </a:stretch>
+        </p:blipFill>
+        <p:spPr>
+          <a:xfrm>
+            <a:off x="933306" y="1957182"/>
+            <a:ext cx="3496163" cy="2943636"/>
+          </a:xfrm>
+          <a:prstGeom prst="rect">
+            <a:avLst/>
+          </a:prstGeom>
+        </p:spPr>
+      </p:pic>
     </p:spTree>
     <p:extLst>
       <p:ext uri="{BB962C8B-B14F-4D97-AF65-F5344CB8AC3E}">

--- a/Docs/ClientMeetings/2022_02_14_Meeting/2022_02_14_MeetingPresentation.pptx
+++ b/Docs/ClientMeetings/2022_02_14_Meeting/2022_02_14_MeetingPresentation.pptx
@@ -118,7 +118,7 @@
   <p:extLst>
     <p:ext uri="{521415D9-36F7-43E2-AB2F-B90AF26B5E84}">
       <p14:sectionLst xmlns:p14="http://schemas.microsoft.com/office/powerpoint/2010/main">
-        <p14:section name="Default Section" id="{8D71F5C1-6A8F-4424-901B-B19C91365EDB}">
+        <p14:section name="Title Slide" id="{8D71F5C1-6A8F-4424-901B-B19C91365EDB}">
           <p14:sldIdLst>
             <p14:sldId id="256"/>
           </p14:sldIdLst>
@@ -172,7 +172,7 @@
   <pc:docChgLst>
     <pc:chgData name="Derek Caramella" userId="286e2ff89c220aa4" providerId="LiveId" clId="{9CC3991B-F5D6-4BA0-A07F-5F4ED1E6EF64}"/>
     <pc:docChg chg="undo redo custSel addSld delSld modSld addSection modSection">
-      <pc:chgData name="Derek Caramella" userId="286e2ff89c220aa4" providerId="LiveId" clId="{9CC3991B-F5D6-4BA0-A07F-5F4ED1E6EF64}" dt="2022-02-09T21:27:24.550" v="2377"/>
+      <pc:chgData name="Derek Caramella" userId="286e2ff89c220aa4" providerId="LiveId" clId="{9CC3991B-F5D6-4BA0-A07F-5F4ED1E6EF64}" dt="2022-02-14T15:06:09.582" v="2387" actId="17846"/>
       <pc:docMkLst>
         <pc:docMk/>
       </pc:docMkLst>
@@ -419,8 +419,8 @@
           </ac:spMkLst>
         </pc:spChg>
       </pc:sldChg>
-      <pc:sldChg chg="modSp add mod">
-        <pc:chgData name="Derek Caramella" userId="286e2ff89c220aa4" providerId="LiveId" clId="{9CC3991B-F5D6-4BA0-A07F-5F4ED1E6EF64}" dt="2022-02-09T21:02:19.519" v="67" actId="20577"/>
+      <pc:sldChg chg="delSp modSp add mod">
+        <pc:chgData name="Derek Caramella" userId="286e2ff89c220aa4" providerId="LiveId" clId="{9CC3991B-F5D6-4BA0-A07F-5F4ED1E6EF64}" dt="2022-02-14T15:05:42.039" v="2385" actId="14100"/>
         <pc:sldMkLst>
           <pc:docMk/>
           <pc:sldMk cId="2327622305" sldId="262"/>
@@ -441,6 +441,22 @@
             <ac:spMk id="3" creationId="{3DA9E65B-F549-4843-AF20-8620532D132A}"/>
           </ac:spMkLst>
         </pc:spChg>
+        <pc:spChg chg="del">
+          <ac:chgData name="Derek Caramella" userId="286e2ff89c220aa4" providerId="LiveId" clId="{9CC3991B-F5D6-4BA0-A07F-5F4ED1E6EF64}" dt="2022-02-14T15:05:09.394" v="2379" actId="478"/>
+          <ac:spMkLst>
+            <pc:docMk/>
+            <pc:sldMk cId="2327622305" sldId="262"/>
+            <ac:spMk id="4" creationId="{48AEA18D-DE61-4006-8A36-EA28895F56C6}"/>
+          </ac:spMkLst>
+        </pc:spChg>
+        <pc:picChg chg="mod modCrop">
+          <ac:chgData name="Derek Caramella" userId="286e2ff89c220aa4" providerId="LiveId" clId="{9CC3991B-F5D6-4BA0-A07F-5F4ED1E6EF64}" dt="2022-02-14T15:05:42.039" v="2385" actId="14100"/>
+          <ac:picMkLst>
+            <pc:docMk/>
+            <pc:sldMk cId="2327622305" sldId="262"/>
+            <ac:picMk id="6" creationId="{9D902228-EC80-418F-B736-1BC9661E2954}"/>
+          </ac:picMkLst>
+        </pc:picChg>
       </pc:sldChg>
       <pc:sldChg chg="modSp add mod">
         <pc:chgData name="Derek Caramella" userId="286e2ff89c220aa4" providerId="LiveId" clId="{9CC3991B-F5D6-4BA0-A07F-5F4ED1E6EF64}" dt="2022-02-09T21:02:22.664" v="69"/>
@@ -8558,31 +8574,6 @@
           </a:p>
         </p:txBody>
       </p:sp>
-      <p:sp>
-        <p:nvSpPr>
-          <p:cNvPr id="4" name="Text Placeholder 3">
-            <a:extLst>
-              <a:ext uri="{FF2B5EF4-FFF2-40B4-BE49-F238E27FC236}">
-                <a16:creationId xmlns:a16="http://schemas.microsoft.com/office/drawing/2014/main" id="{48AEA18D-DE61-4006-8A36-EA28895F56C6}"/>
-              </a:ext>
-            </a:extLst>
-          </p:cNvPr>
-          <p:cNvSpPr>
-            <a:spLocks noGrp="1"/>
-          </p:cNvSpPr>
-          <p:nvPr>
-            <p:ph type="body" sz="half" idx="2"/>
-          </p:nvPr>
-        </p:nvSpPr>
-        <p:spPr/>
-        <p:txBody>
-          <a:bodyPr/>
-          <a:lstStyle/>
-          <a:p>
-            <a:endParaRPr lang="en-US" dirty="0"/>
-          </a:p>
-        </p:txBody>
-      </p:sp>
       <p:pic>
         <p:nvPicPr>
           <p:cNvPr id="6" name="Picture 5" descr="A person wearing glasses&#10;&#10;Description automatically generated with low confidence">
@@ -8597,7 +8588,7 @@
           </p:cNvPicPr>
           <p:nvPr/>
         </p:nvPicPr>
-        <p:blipFill>
+        <p:blipFill rotWithShape="1">
           <a:blip r:embed="rId2">
             <a:extLst>
               <a:ext uri="{28A0092B-C50C-407E-A947-70E740481C1C}">
@@ -8605,14 +8596,13 @@
               </a:ext>
             </a:extLst>
           </a:blip>
-          <a:stretch>
-            <a:fillRect/>
-          </a:stretch>
+          <a:srcRect t="8336"/>
+          <a:stretch/>
         </p:blipFill>
         <p:spPr>
           <a:xfrm>
-            <a:off x="242145" y="-188350"/>
-            <a:ext cx="4705893" cy="7058839"/>
+            <a:off x="0" y="170823"/>
+            <a:ext cx="4491614" cy="5998866"/>
           </a:xfrm>
           <a:prstGeom prst="rect">
             <a:avLst/>

--- a/Docs/ClientMeetings/2022_02_14_Meeting/2022_02_14_MeetingPresentation.pptx
+++ b/Docs/ClientMeetings/2022_02_14_Meeting/2022_02_14_MeetingPresentation.pptx
@@ -8,15 +8,14 @@
     <p:sldId id="256" r:id="rId2"/>
     <p:sldId id="260" r:id="rId3"/>
     <p:sldId id="257" r:id="rId4"/>
-    <p:sldId id="261" r:id="rId5"/>
-    <p:sldId id="262" r:id="rId6"/>
-    <p:sldId id="263" r:id="rId7"/>
-    <p:sldId id="264" r:id="rId8"/>
-    <p:sldId id="266" r:id="rId9"/>
-    <p:sldId id="267" r:id="rId10"/>
-    <p:sldId id="268" r:id="rId11"/>
-    <p:sldId id="269" r:id="rId12"/>
-    <p:sldId id="270" r:id="rId13"/>
+    <p:sldId id="262" r:id="rId5"/>
+    <p:sldId id="263" r:id="rId6"/>
+    <p:sldId id="264" r:id="rId7"/>
+    <p:sldId id="266" r:id="rId8"/>
+    <p:sldId id="267" r:id="rId9"/>
+    <p:sldId id="268" r:id="rId10"/>
+    <p:sldId id="269" r:id="rId11"/>
+    <p:sldId id="270" r:id="rId12"/>
   </p:sldIdLst>
   <p:sldSz cx="12192000" cy="6858000"/>
   <p:notesSz cx="6858000" cy="9144000"/>
@@ -127,7 +126,6 @@
           <p14:sldIdLst>
             <p14:sldId id="260"/>
             <p14:sldId id="257"/>
-            <p14:sldId id="261"/>
             <p14:sldId id="262"/>
             <p14:sldId id="263"/>
           </p14:sldIdLst>
@@ -172,7 +170,7 @@
   <pc:docChgLst>
     <pc:chgData name="Derek Caramella" userId="286e2ff89c220aa4" providerId="LiveId" clId="{9CC3991B-F5D6-4BA0-A07F-5F4ED1E6EF64}"/>
     <pc:docChg chg="undo redo custSel addSld delSld modSld addSection modSection">
-      <pc:chgData name="Derek Caramella" userId="286e2ff89c220aa4" providerId="LiveId" clId="{9CC3991B-F5D6-4BA0-A07F-5F4ED1E6EF64}" dt="2022-02-14T15:06:09.582" v="2387" actId="17846"/>
+      <pc:chgData name="Derek Caramella" userId="286e2ff89c220aa4" providerId="LiveId" clId="{9CC3991B-F5D6-4BA0-A07F-5F4ED1E6EF64}" dt="2022-02-14T15:27:48.850" v="2388" actId="47"/>
       <pc:docMkLst>
         <pc:docMk/>
       </pc:docMkLst>
@@ -396,8 +394,8 @@
           </ac:cxnSpMkLst>
         </pc:cxnChg>
       </pc:sldChg>
-      <pc:sldChg chg="modSp new mod">
-        <pc:chgData name="Derek Caramella" userId="286e2ff89c220aa4" providerId="LiveId" clId="{9CC3991B-F5D6-4BA0-A07F-5F4ED1E6EF64}" dt="2022-02-09T21:02:04.592" v="61" actId="20577"/>
+      <pc:sldChg chg="modSp new del mod">
+        <pc:chgData name="Derek Caramella" userId="286e2ff89c220aa4" providerId="LiveId" clId="{9CC3991B-F5D6-4BA0-A07F-5F4ED1E6EF64}" dt="2022-02-14T15:27:48.850" v="2388" actId="47"/>
         <pc:sldMkLst>
           <pc:docMk/>
           <pc:sldMk cId="715421687" sldId="261"/>
@@ -5345,127 +5343,6 @@
 <file path=ppt/slides/slide10.xml><?xml version="1.0" encoding="utf-8"?>
 <p:sld xmlns:a="http://schemas.openxmlformats.org/drawingml/2006/main" xmlns:r="http://schemas.openxmlformats.org/officeDocument/2006/relationships" xmlns:p="http://schemas.openxmlformats.org/presentationml/2006/main">
   <p:cSld>
-    <p:spTree>
-      <p:nvGrpSpPr>
-        <p:cNvPr id="1" name=""/>
-        <p:cNvGrpSpPr/>
-        <p:nvPr/>
-      </p:nvGrpSpPr>
-      <p:grpSpPr>
-        <a:xfrm>
-          <a:off x="0" y="0"/>
-          <a:ext cx="0" cy="0"/>
-          <a:chOff x="0" y="0"/>
-          <a:chExt cx="0" cy="0"/>
-        </a:xfrm>
-      </p:grpSpPr>
-      <p:sp>
-        <p:nvSpPr>
-          <p:cNvPr id="2" name="Title 1">
-            <a:extLst>
-              <a:ext uri="{FF2B5EF4-FFF2-40B4-BE49-F238E27FC236}">
-                <a16:creationId xmlns:a16="http://schemas.microsoft.com/office/drawing/2014/main" id="{5810B080-FBE8-4BC0-974E-2CA10B2CAEBA}"/>
-              </a:ext>
-            </a:extLst>
-          </p:cNvPr>
-          <p:cNvSpPr>
-            <a:spLocks noGrp="1"/>
-          </p:cNvSpPr>
-          <p:nvPr>
-            <p:ph type="title"/>
-          </p:nvPr>
-        </p:nvSpPr>
-        <p:spPr/>
-        <p:txBody>
-          <a:bodyPr/>
-          <a:lstStyle/>
-          <a:p>
-            <a:r>
-              <a:rPr lang="en-US" dirty="0"/>
-              <a:t>Web Hosted Database</a:t>
-            </a:r>
-            <a:br>
-              <a:rPr lang="en-US" dirty="0"/>
-            </a:br>
-            <a:r>
-              <a:rPr lang="en-US" dirty="0"/>
-              <a:t>(PaaS)</a:t>
-            </a:r>
-          </a:p>
-        </p:txBody>
-      </p:sp>
-      <p:sp>
-        <p:nvSpPr>
-          <p:cNvPr id="3" name="Content Placeholder 2">
-            <a:extLst>
-              <a:ext uri="{FF2B5EF4-FFF2-40B4-BE49-F238E27FC236}">
-                <a16:creationId xmlns:a16="http://schemas.microsoft.com/office/drawing/2014/main" id="{B91C5C3E-497B-465F-9639-F743772550AF}"/>
-              </a:ext>
-            </a:extLst>
-          </p:cNvPr>
-          <p:cNvSpPr>
-            <a:spLocks noGrp="1"/>
-          </p:cNvSpPr>
-          <p:nvPr>
-            <p:ph idx="1"/>
-          </p:nvPr>
-        </p:nvSpPr>
-        <p:spPr/>
-        <p:txBody>
-          <a:bodyPr/>
-          <a:lstStyle/>
-          <a:p>
-            <a:r>
-              <a:rPr lang="en-US" dirty="0"/>
-              <a:t>Any concerns:</a:t>
-            </a:r>
-          </a:p>
-          <a:p>
-            <a:pPr lvl="1"/>
-            <a:r>
-              <a:rPr lang="en-US" dirty="0"/>
-              <a:t>Password Protected PaaS Database to host data?</a:t>
-            </a:r>
-          </a:p>
-          <a:p>
-            <a:pPr lvl="2"/>
-            <a:r>
-              <a:rPr lang="en-US" dirty="0"/>
-              <a:t>Yes or No</a:t>
-            </a:r>
-          </a:p>
-          <a:p>
-            <a:pPr lvl="1"/>
-            <a:r>
-              <a:rPr lang="en-US" dirty="0"/>
-              <a:t>Web-interface with login to interface with the model</a:t>
-            </a:r>
-          </a:p>
-          <a:p>
-            <a:pPr lvl="2"/>
-            <a:r>
-              <a:rPr lang="en-US" dirty="0"/>
-              <a:t>Yes or No</a:t>
-            </a:r>
-          </a:p>
-        </p:txBody>
-      </p:sp>
-    </p:spTree>
-    <p:extLst>
-      <p:ext uri="{BB962C8B-B14F-4D97-AF65-F5344CB8AC3E}">
-        <p14:creationId xmlns:p14="http://schemas.microsoft.com/office/powerpoint/2010/main" val="1246872822"/>
-      </p:ext>
-    </p:extLst>
-  </p:cSld>
-  <p:clrMapOvr>
-    <a:masterClrMapping/>
-  </p:clrMapOvr>
-</p:sld>
-</file>
-
-<file path=ppt/slides/slide11.xml><?xml version="1.0" encoding="utf-8"?>
-<p:sld xmlns:a="http://schemas.openxmlformats.org/drawingml/2006/main" xmlns:r="http://schemas.openxmlformats.org/officeDocument/2006/relationships" xmlns:p="http://schemas.openxmlformats.org/presentationml/2006/main">
-  <p:cSld>
     <p:bg>
       <p:bgPr>
         <a:solidFill>
@@ -6236,7 +6113,7 @@
 </p:sld>
 </file>
 
-<file path=ppt/slides/slide12.xml><?xml version="1.0" encoding="utf-8"?>
+<file path=ppt/slides/slide11.xml><?xml version="1.0" encoding="utf-8"?>
 <p:sld xmlns:a="http://schemas.openxmlformats.org/drawingml/2006/main" xmlns:r="http://schemas.openxmlformats.org/officeDocument/2006/relationships" xmlns:p="http://schemas.openxmlformats.org/presentationml/2006/main">
   <p:cSld>
     <p:spTree>
@@ -8281,201 +8158,6 @@
             <p:ph type="title"/>
           </p:nvPr>
         </p:nvSpPr>
-        <p:spPr/>
-        <p:txBody>
-          <a:bodyPr/>
-          <a:lstStyle/>
-          <a:p>
-            <a:r>
-              <a:rPr lang="en-US" dirty="0" err="1"/>
-              <a:t>Ezgi</a:t>
-            </a:r>
-            <a:r>
-              <a:rPr lang="en-US" dirty="0"/>
-              <a:t> </a:t>
-            </a:r>
-            <a:r>
-              <a:rPr lang="en-US" dirty="0" err="1"/>
-              <a:t>Siir</a:t>
-            </a:r>
-            <a:r>
-              <a:rPr lang="en-US" dirty="0"/>
-              <a:t> </a:t>
-            </a:r>
-            <a:r>
-              <a:rPr lang="en-US" dirty="0" err="1"/>
-              <a:t>Kibris</a:t>
-            </a:r>
-            <a:endParaRPr lang="en-US" dirty="0"/>
-          </a:p>
-        </p:txBody>
-      </p:sp>
-      <p:sp>
-        <p:nvSpPr>
-          <p:cNvPr id="3" name="Content Placeholder 2">
-            <a:extLst>
-              <a:ext uri="{FF2B5EF4-FFF2-40B4-BE49-F238E27FC236}">
-                <a16:creationId xmlns:a16="http://schemas.microsoft.com/office/drawing/2014/main" id="{3DA9E65B-F549-4843-AF20-8620532D132A}"/>
-              </a:ext>
-            </a:extLst>
-          </p:cNvPr>
-          <p:cNvSpPr>
-            <a:spLocks noGrp="1"/>
-          </p:cNvSpPr>
-          <p:nvPr>
-            <p:ph idx="1"/>
-          </p:nvPr>
-        </p:nvSpPr>
-        <p:spPr/>
-        <p:txBody>
-          <a:bodyPr/>
-          <a:lstStyle/>
-          <a:p>
-            <a:r>
-              <a:rPr lang="en-US" i="1" dirty="0">
-                <a:solidFill>
-                  <a:schemeClr val="tx1"/>
-                </a:solidFill>
-              </a:rPr>
-              <a:t>Profession</a:t>
-            </a:r>
-            <a:r>
-              <a:rPr lang="en-US" dirty="0">
-                <a:solidFill>
-                  <a:schemeClr val="tx1"/>
-                </a:solidFill>
-              </a:rPr>
-              <a:t>: </a:t>
-            </a:r>
-          </a:p>
-          <a:p>
-            <a:r>
-              <a:rPr lang="en-US" i="1" dirty="0">
-                <a:solidFill>
-                  <a:schemeClr val="tx1"/>
-                </a:solidFill>
-              </a:rPr>
-              <a:t>Academica</a:t>
-            </a:r>
-            <a:r>
-              <a:rPr lang="en-US" dirty="0">
-                <a:solidFill>
-                  <a:schemeClr val="tx1"/>
-                </a:solidFill>
-              </a:rPr>
-              <a:t>: </a:t>
-            </a:r>
-          </a:p>
-          <a:p>
-            <a:r>
-              <a:rPr lang="en-US" i="1" dirty="0">
-                <a:solidFill>
-                  <a:schemeClr val="tx1"/>
-                </a:solidFill>
-              </a:rPr>
-              <a:t>Pending</a:t>
-            </a:r>
-            <a:r>
-              <a:rPr lang="en-US" dirty="0">
-                <a:solidFill>
-                  <a:schemeClr val="tx1"/>
-                </a:solidFill>
-              </a:rPr>
-              <a:t>: Data Science, MS</a:t>
-            </a:r>
-          </a:p>
-          <a:p>
-            <a:r>
-              <a:rPr lang="en-US" i="1" dirty="0">
-                <a:solidFill>
-                  <a:schemeClr val="tx1"/>
-                </a:solidFill>
-              </a:rPr>
-              <a:t>Specialization(s)</a:t>
-            </a:r>
-            <a:r>
-              <a:rPr lang="en-US" dirty="0">
-                <a:solidFill>
-                  <a:schemeClr val="tx1"/>
-                </a:solidFill>
-              </a:rPr>
-              <a:t>:</a:t>
-            </a:r>
-            <a:endParaRPr lang="en-US" dirty="0"/>
-          </a:p>
-        </p:txBody>
-      </p:sp>
-      <p:sp>
-        <p:nvSpPr>
-          <p:cNvPr id="4" name="Text Placeholder 3">
-            <a:extLst>
-              <a:ext uri="{FF2B5EF4-FFF2-40B4-BE49-F238E27FC236}">
-                <a16:creationId xmlns:a16="http://schemas.microsoft.com/office/drawing/2014/main" id="{48AEA18D-DE61-4006-8A36-EA28895F56C6}"/>
-              </a:ext>
-            </a:extLst>
-          </p:cNvPr>
-          <p:cNvSpPr>
-            <a:spLocks noGrp="1"/>
-          </p:cNvSpPr>
-          <p:nvPr>
-            <p:ph type="body" sz="half" idx="2"/>
-          </p:nvPr>
-        </p:nvSpPr>
-        <p:spPr/>
-        <p:txBody>
-          <a:bodyPr/>
-          <a:lstStyle/>
-          <a:p>
-            <a:endParaRPr lang="en-US"/>
-          </a:p>
-        </p:txBody>
-      </p:sp>
-    </p:spTree>
-    <p:extLst>
-      <p:ext uri="{BB962C8B-B14F-4D97-AF65-F5344CB8AC3E}">
-        <p14:creationId xmlns:p14="http://schemas.microsoft.com/office/powerpoint/2010/main" val="715421687"/>
-      </p:ext>
-    </p:extLst>
-  </p:cSld>
-  <p:clrMapOvr>
-    <a:masterClrMapping/>
-  </p:clrMapOvr>
-</p:sld>
-</file>
-
-<file path=ppt/slides/slide5.xml><?xml version="1.0" encoding="utf-8"?>
-<p:sld xmlns:a="http://schemas.openxmlformats.org/drawingml/2006/main" xmlns:r="http://schemas.openxmlformats.org/officeDocument/2006/relationships" xmlns:p="http://schemas.openxmlformats.org/presentationml/2006/main">
-  <p:cSld>
-    <p:spTree>
-      <p:nvGrpSpPr>
-        <p:cNvPr id="1" name=""/>
-        <p:cNvGrpSpPr/>
-        <p:nvPr/>
-      </p:nvGrpSpPr>
-      <p:grpSpPr>
-        <a:xfrm>
-          <a:off x="0" y="0"/>
-          <a:ext cx="0" cy="0"/>
-          <a:chOff x="0" y="0"/>
-          <a:chExt cx="0" cy="0"/>
-        </a:xfrm>
-      </p:grpSpPr>
-      <p:sp>
-        <p:nvSpPr>
-          <p:cNvPr id="2" name="Title 1">
-            <a:extLst>
-              <a:ext uri="{FF2B5EF4-FFF2-40B4-BE49-F238E27FC236}">
-                <a16:creationId xmlns:a16="http://schemas.microsoft.com/office/drawing/2014/main" id="{C3663143-7595-4B6A-ACBB-D63506DC6D59}"/>
-              </a:ext>
-            </a:extLst>
-          </p:cNvPr>
-          <p:cNvSpPr>
-            <a:spLocks noGrp="1"/>
-          </p:cNvSpPr>
-          <p:nvPr>
-            <p:ph type="title"/>
-          </p:nvPr>
-        </p:nvSpPr>
         <p:spPr>
           <a:xfrm>
             <a:off x="3884381" y="1209538"/>
@@ -8622,7 +8304,7 @@
 </p:sld>
 </file>
 
-<file path=ppt/slides/slide6.xml><?xml version="1.0" encoding="utf-8"?>
+<file path=ppt/slides/slide5.xml><?xml version="1.0" encoding="utf-8"?>
 <p:sld xmlns:a="http://schemas.openxmlformats.org/drawingml/2006/main" xmlns:r="http://schemas.openxmlformats.org/officeDocument/2006/relationships" xmlns:p="http://schemas.openxmlformats.org/presentationml/2006/main">
   <p:cSld>
     <p:spTree>
@@ -8825,7 +8507,7 @@
 </p:sld>
 </file>
 
-<file path=ppt/slides/slide7.xml><?xml version="1.0" encoding="utf-8"?>
+<file path=ppt/slides/slide6.xml><?xml version="1.0" encoding="utf-8"?>
 <p:sld xmlns:a="http://schemas.openxmlformats.org/drawingml/2006/main" xmlns:r="http://schemas.openxmlformats.org/officeDocument/2006/relationships" xmlns:p="http://schemas.openxmlformats.org/presentationml/2006/main">
   <p:cSld>
     <p:bg>
@@ -9760,7 +9442,7 @@
 </p:sld>
 </file>
 
-<file path=ppt/slides/slide8.xml><?xml version="1.0" encoding="utf-8"?>
+<file path=ppt/slides/slide7.xml><?xml version="1.0" encoding="utf-8"?>
 <p:sld xmlns:a="http://schemas.openxmlformats.org/drawingml/2006/main" xmlns:r="http://schemas.openxmlformats.org/officeDocument/2006/relationships" xmlns:p="http://schemas.openxmlformats.org/presentationml/2006/main">
   <p:cSld>
     <p:spTree>
@@ -11207,7 +10889,7 @@
 </p:sld>
 </file>
 
-<file path=ppt/slides/slide9.xml><?xml version="1.0" encoding="utf-8"?>
+<file path=ppt/slides/slide8.xml><?xml version="1.0" encoding="utf-8"?>
 <p:sld xmlns:a="http://schemas.openxmlformats.org/drawingml/2006/main" xmlns:r="http://schemas.openxmlformats.org/officeDocument/2006/relationships" xmlns:p="http://schemas.openxmlformats.org/presentationml/2006/main">
   <p:cSld>
     <p:bg>
@@ -12133,6 +11815,127 @@
     <p:extLst>
       <p:ext uri="{BB962C8B-B14F-4D97-AF65-F5344CB8AC3E}">
         <p14:creationId xmlns:p14="http://schemas.microsoft.com/office/powerpoint/2010/main" val="192792436"/>
+      </p:ext>
+    </p:extLst>
+  </p:cSld>
+  <p:clrMapOvr>
+    <a:masterClrMapping/>
+  </p:clrMapOvr>
+</p:sld>
+</file>
+
+<file path=ppt/slides/slide9.xml><?xml version="1.0" encoding="utf-8"?>
+<p:sld xmlns:a="http://schemas.openxmlformats.org/drawingml/2006/main" xmlns:r="http://schemas.openxmlformats.org/officeDocument/2006/relationships" xmlns:p="http://schemas.openxmlformats.org/presentationml/2006/main">
+  <p:cSld>
+    <p:spTree>
+      <p:nvGrpSpPr>
+        <p:cNvPr id="1" name=""/>
+        <p:cNvGrpSpPr/>
+        <p:nvPr/>
+      </p:nvGrpSpPr>
+      <p:grpSpPr>
+        <a:xfrm>
+          <a:off x="0" y="0"/>
+          <a:ext cx="0" cy="0"/>
+          <a:chOff x="0" y="0"/>
+          <a:chExt cx="0" cy="0"/>
+        </a:xfrm>
+      </p:grpSpPr>
+      <p:sp>
+        <p:nvSpPr>
+          <p:cNvPr id="2" name="Title 1">
+            <a:extLst>
+              <a:ext uri="{FF2B5EF4-FFF2-40B4-BE49-F238E27FC236}">
+                <a16:creationId xmlns:a16="http://schemas.microsoft.com/office/drawing/2014/main" id="{5810B080-FBE8-4BC0-974E-2CA10B2CAEBA}"/>
+              </a:ext>
+            </a:extLst>
+          </p:cNvPr>
+          <p:cNvSpPr>
+            <a:spLocks noGrp="1"/>
+          </p:cNvSpPr>
+          <p:nvPr>
+            <p:ph type="title"/>
+          </p:nvPr>
+        </p:nvSpPr>
+        <p:spPr/>
+        <p:txBody>
+          <a:bodyPr/>
+          <a:lstStyle/>
+          <a:p>
+            <a:r>
+              <a:rPr lang="en-US" dirty="0"/>
+              <a:t>Web Hosted Database</a:t>
+            </a:r>
+            <a:br>
+              <a:rPr lang="en-US" dirty="0"/>
+            </a:br>
+            <a:r>
+              <a:rPr lang="en-US" dirty="0"/>
+              <a:t>(PaaS)</a:t>
+            </a:r>
+          </a:p>
+        </p:txBody>
+      </p:sp>
+      <p:sp>
+        <p:nvSpPr>
+          <p:cNvPr id="3" name="Content Placeholder 2">
+            <a:extLst>
+              <a:ext uri="{FF2B5EF4-FFF2-40B4-BE49-F238E27FC236}">
+                <a16:creationId xmlns:a16="http://schemas.microsoft.com/office/drawing/2014/main" id="{B91C5C3E-497B-465F-9639-F743772550AF}"/>
+              </a:ext>
+            </a:extLst>
+          </p:cNvPr>
+          <p:cNvSpPr>
+            <a:spLocks noGrp="1"/>
+          </p:cNvSpPr>
+          <p:nvPr>
+            <p:ph idx="1"/>
+          </p:nvPr>
+        </p:nvSpPr>
+        <p:spPr/>
+        <p:txBody>
+          <a:bodyPr/>
+          <a:lstStyle/>
+          <a:p>
+            <a:r>
+              <a:rPr lang="en-US" dirty="0"/>
+              <a:t>Any concerns:</a:t>
+            </a:r>
+          </a:p>
+          <a:p>
+            <a:pPr lvl="1"/>
+            <a:r>
+              <a:rPr lang="en-US" dirty="0"/>
+              <a:t>Password Protected PaaS Database to host data?</a:t>
+            </a:r>
+          </a:p>
+          <a:p>
+            <a:pPr lvl="2"/>
+            <a:r>
+              <a:rPr lang="en-US" dirty="0"/>
+              <a:t>Yes or No</a:t>
+            </a:r>
+          </a:p>
+          <a:p>
+            <a:pPr lvl="1"/>
+            <a:r>
+              <a:rPr lang="en-US" dirty="0"/>
+              <a:t>Web-interface with login to interface with the model</a:t>
+            </a:r>
+          </a:p>
+          <a:p>
+            <a:pPr lvl="2"/>
+            <a:r>
+              <a:rPr lang="en-US" dirty="0"/>
+              <a:t>Yes or No</a:t>
+            </a:r>
+          </a:p>
+        </p:txBody>
+      </p:sp>
+    </p:spTree>
+    <p:extLst>
+      <p:ext uri="{BB962C8B-B14F-4D97-AF65-F5344CB8AC3E}">
+        <p14:creationId xmlns:p14="http://schemas.microsoft.com/office/powerpoint/2010/main" val="1246872822"/>
       </p:ext>
     </p:extLst>
   </p:cSld>
